--- a/UTS/RIZKY_HANIFUDIN_201011400105_UTS.pptx
+++ b/UTS/RIZKY_HANIFUDIN_201011400105_UTS.pptx
@@ -22,15 +22,12 @@
     <p:sldId id="345" r:id="rId16"/>
     <p:sldId id="346" r:id="rId17"/>
     <p:sldId id="347" r:id="rId18"/>
-    <p:sldId id="311" r:id="rId19"/>
+    <p:sldId id="348" r:id="rId19"/>
+    <p:sldId id="311" r:id="rId20"/>
   </p:sldIdLst>
   <p:sldSz cx="12192000" cy="6858000"/>
   <p:notesSz cx="6858000" cy="9144000"/>
   <p:embeddedFontLst>
-    <p:embeddedFont>
-      <p:font typeface="字魂160号-檀宋" panose="00000500000000000000" charset="-122"/>
-      <p:regular r:id="rId20"/>
-    </p:embeddedFont>
     <p:embeddedFont>
       <p:font typeface="Poppins" panose="00000500000000000000" pitchFamily="2" charset="0"/>
       <p:regular r:id="rId21"/>
@@ -39,15 +36,19 @@
       <p:boldItalic r:id="rId24"/>
     </p:embeddedFont>
     <p:embeddedFont>
+      <p:font typeface="字魂160号-檀宋" panose="00000500000000000000" charset="-122"/>
+      <p:regular r:id="rId25"/>
+    </p:embeddedFont>
+    <p:embeddedFont>
       <p:font typeface="Calibri" panose="020F0502020204030204" pitchFamily="34" charset="0"/>
-      <p:regular r:id="rId25"/>
-      <p:bold r:id="rId26"/>
-      <p:italic r:id="rId27"/>
-      <p:boldItalic r:id="rId28"/>
+      <p:regular r:id="rId26"/>
+      <p:bold r:id="rId27"/>
+      <p:italic r:id="rId28"/>
+      <p:boldItalic r:id="rId29"/>
     </p:embeddedFont>
     <p:embeddedFont>
       <p:font typeface="宋体" panose="02010600030101010101" pitchFamily="2" charset="-122"/>
-      <p:regular r:id="rId29"/>
+      <p:regular r:id="rId30"/>
     </p:embeddedFont>
   </p:embeddedFontLst>
   <p:defaultTextStyle>
@@ -2989,15 +2990,6 @@
               </a:rPr>
               <a:t>CI/CD DENGAN PYTHON</a:t>
             </a:r>
-            <a:endParaRPr lang="en-US" altLang="zh-CN" sz="2400" b="1" dirty="0">
-              <a:solidFill>
-                <a:srgbClr val="0A3383"/>
-              </a:solidFill>
-              <a:latin typeface="Poppins" panose="00000500000000000000" pitchFamily="2" charset="0"/>
-              <a:ea typeface="字魂160号-檀宋" panose="00000500000000000000" pitchFamily="2" charset="-122"/>
-              <a:cs typeface="Poppins" panose="00000500000000000000" pitchFamily="2" charset="0"/>
-              <a:sym typeface="字魂160号-檀宋" panose="00000500000000000000" pitchFamily="2" charset="-122"/>
-            </a:endParaRPr>
           </a:p>
         </p:txBody>
       </p:sp>
@@ -5460,15 +5452,6 @@
               </a:rPr>
               <a:t>CI/CD DENGAN PYTHON</a:t>
             </a:r>
-            <a:endParaRPr lang="en-US" altLang="zh-CN" sz="2400" b="1" dirty="0">
-              <a:solidFill>
-                <a:srgbClr val="0A3383"/>
-              </a:solidFill>
-              <a:latin typeface="Poppins" panose="00000500000000000000" pitchFamily="2" charset="0"/>
-              <a:ea typeface="字魂160号-檀宋" panose="00000500000000000000" pitchFamily="2" charset="-122"/>
-              <a:cs typeface="Poppins" panose="00000500000000000000" pitchFamily="2" charset="0"/>
-              <a:sym typeface="字魂160号-檀宋" panose="00000500000000000000" pitchFamily="2" charset="-122"/>
-            </a:endParaRPr>
           </a:p>
         </p:txBody>
       </p:sp>
@@ -7390,15 +7373,6 @@
               </a:rPr>
               <a:t>CI/CD DENGAN PYTHON</a:t>
             </a:r>
-            <a:endParaRPr lang="en-US" altLang="zh-CN" sz="2400" b="1" dirty="0">
-              <a:solidFill>
-                <a:srgbClr val="0A3383"/>
-              </a:solidFill>
-              <a:latin typeface="Poppins" panose="00000500000000000000" pitchFamily="2" charset="0"/>
-              <a:ea typeface="字魂160号-檀宋" panose="00000500000000000000" pitchFamily="2" charset="-122"/>
-              <a:cs typeface="Poppins" panose="00000500000000000000" pitchFamily="2" charset="0"/>
-              <a:sym typeface="字魂160号-檀宋" panose="00000500000000000000" pitchFamily="2" charset="-122"/>
-            </a:endParaRPr>
           </a:p>
         </p:txBody>
       </p:sp>
@@ -9356,15 +9330,6 @@
               </a:rPr>
               <a:t>CI/CD DENGAN PYTHON</a:t>
             </a:r>
-            <a:endParaRPr lang="en-US" altLang="zh-CN" sz="2400" b="1" dirty="0">
-              <a:solidFill>
-                <a:srgbClr val="0A3383"/>
-              </a:solidFill>
-              <a:latin typeface="Poppins" panose="00000500000000000000" pitchFamily="2" charset="0"/>
-              <a:ea typeface="字魂160号-檀宋" panose="00000500000000000000" pitchFamily="2" charset="-122"/>
-              <a:cs typeface="Poppins" panose="00000500000000000000" pitchFamily="2" charset="0"/>
-              <a:sym typeface="字魂160号-檀宋" panose="00000500000000000000" pitchFamily="2" charset="-122"/>
-            </a:endParaRPr>
           </a:p>
         </p:txBody>
       </p:sp>
@@ -10212,15 +10177,6 @@
               </a:rPr>
               <a:t>CI/CD DENGAN PYTHON</a:t>
             </a:r>
-            <a:endParaRPr lang="en-US" altLang="zh-CN" sz="2400" b="1" dirty="0">
-              <a:solidFill>
-                <a:srgbClr val="0A3383"/>
-              </a:solidFill>
-              <a:latin typeface="Poppins" panose="00000500000000000000" pitchFamily="2" charset="0"/>
-              <a:ea typeface="字魂160号-檀宋" panose="00000500000000000000" pitchFamily="2" charset="-122"/>
-              <a:cs typeface="Poppins" panose="00000500000000000000" pitchFamily="2" charset="0"/>
-              <a:sym typeface="字魂160号-檀宋" panose="00000500000000000000" pitchFamily="2" charset="-122"/>
-            </a:endParaRPr>
           </a:p>
         </p:txBody>
       </p:sp>
@@ -11916,15 +11872,6 @@
               </a:rPr>
               <a:t>CI/CD DENGAN PYTHON</a:t>
             </a:r>
-            <a:endParaRPr lang="en-US" altLang="zh-CN" sz="2400" b="1" dirty="0">
-              <a:solidFill>
-                <a:srgbClr val="0A3383"/>
-              </a:solidFill>
-              <a:latin typeface="Poppins" panose="00000500000000000000" pitchFamily="2" charset="0"/>
-              <a:ea typeface="字魂160号-檀宋" panose="00000500000000000000" pitchFamily="2" charset="-122"/>
-              <a:cs typeface="Poppins" panose="00000500000000000000" pitchFamily="2" charset="0"/>
-              <a:sym typeface="字魂160号-檀宋" panose="00000500000000000000" pitchFamily="2" charset="-122"/>
-            </a:endParaRPr>
           </a:p>
         </p:txBody>
       </p:sp>
@@ -14394,6 +14341,851 @@
 </file>
 
 <file path=ppt/slides/slide18.xml><?xml version="1.0" encoding="utf-8"?>
+<p:sld xmlns:a="http://schemas.openxmlformats.org/drawingml/2006/main" xmlns:r="http://schemas.openxmlformats.org/officeDocument/2006/relationships" xmlns:p="http://schemas.openxmlformats.org/presentationml/2006/main">
+  <p:cSld>
+    <p:spTree>
+      <p:nvGrpSpPr>
+        <p:cNvPr id="1" name=""/>
+        <p:cNvGrpSpPr/>
+        <p:nvPr/>
+      </p:nvGrpSpPr>
+      <p:grpSpPr>
+        <a:xfrm>
+          <a:off x="0" y="0"/>
+          <a:ext cx="0" cy="0"/>
+          <a:chOff x="0" y="0"/>
+          <a:chExt cx="0" cy="0"/>
+        </a:xfrm>
+      </p:grpSpPr>
+      <p:sp>
+        <p:nvSpPr>
+          <p:cNvPr id="21" name="文本框 20"/>
+          <p:cNvSpPr txBox="1"/>
+          <p:nvPr/>
+        </p:nvSpPr>
+        <p:spPr>
+          <a:xfrm>
+            <a:off x="5080335" y="542006"/>
+            <a:ext cx="2031325" cy="461665"/>
+          </a:xfrm>
+          <a:prstGeom prst="rect">
+            <a:avLst/>
+          </a:prstGeom>
+          <a:noFill/>
+        </p:spPr>
+        <p:txBody>
+          <a:bodyPr wrap="none" rtlCol="0">
+            <a:spAutoFit/>
+          </a:bodyPr>
+          <a:lstStyle/>
+          <a:p>
+            <a:endParaRPr/>
+          </a:p>
+        </p:txBody>
+      </p:sp>
+      <p:sp>
+        <p:nvSpPr>
+          <p:cNvPr id="36" name="文本框 9">
+            <a:extLst>
+              <a:ext uri="{FF2B5EF4-FFF2-40B4-BE49-F238E27FC236}">
+                <a16:creationId xmlns:a16="http://schemas.microsoft.com/office/drawing/2014/main" id="{50068B60-C73D-42A9-81F9-87728B17DB9D}"/>
+              </a:ext>
+            </a:extLst>
+          </p:cNvPr>
+          <p:cNvSpPr txBox="1"/>
+          <p:nvPr/>
+        </p:nvSpPr>
+        <p:spPr>
+          <a:xfrm>
+            <a:off x="4636953" y="1205573"/>
+            <a:ext cx="2929008" cy="461665"/>
+          </a:xfrm>
+          <a:prstGeom prst="rect">
+            <a:avLst/>
+          </a:prstGeom>
+          <a:noFill/>
+        </p:spPr>
+        <p:txBody>
+          <a:bodyPr wrap="none" rtlCol="0">
+            <a:spAutoFit/>
+          </a:bodyPr>
+          <a:lstStyle/>
+          <a:p>
+            <a:pPr algn="ctr"/>
+            <a:r>
+              <a:rPr lang="en-US" altLang="zh-CN" sz="2400" b="1" dirty="0" smtClean="0">
+                <a:solidFill>
+                  <a:srgbClr val="0A3383"/>
+                </a:solidFill>
+                <a:latin typeface="Poppins" panose="00000500000000000000" pitchFamily="2" charset="0"/>
+                <a:ea typeface="字魂160号-檀宋" panose="00000500000000000000" pitchFamily="2" charset="-122"/>
+                <a:cs typeface="Poppins" panose="00000500000000000000" pitchFamily="2" charset="0"/>
+                <a:sym typeface="字魂160号-檀宋" panose="00000500000000000000" pitchFamily="2" charset="-122"/>
+              </a:rPr>
+              <a:t>DAFTAR PUSTAKA</a:t>
+            </a:r>
+            <a:endParaRPr lang="en-US" altLang="zh-CN" sz="2400" b="1" dirty="0">
+              <a:solidFill>
+                <a:srgbClr val="0A3383"/>
+              </a:solidFill>
+              <a:latin typeface="Poppins" panose="00000500000000000000" pitchFamily="2" charset="0"/>
+              <a:ea typeface="字魂160号-檀宋" panose="00000500000000000000" pitchFamily="2" charset="-122"/>
+              <a:cs typeface="Poppins" panose="00000500000000000000" pitchFamily="2" charset="0"/>
+              <a:sym typeface="字魂160号-檀宋" panose="00000500000000000000" pitchFamily="2" charset="-122"/>
+            </a:endParaRPr>
+          </a:p>
+        </p:txBody>
+      </p:sp>
+      <p:sp>
+        <p:nvSpPr>
+          <p:cNvPr id="2" name="Rectangle 1"/>
+          <p:cNvSpPr/>
+          <p:nvPr/>
+        </p:nvSpPr>
+        <p:spPr>
+          <a:xfrm>
+            <a:off x="506135" y="2142884"/>
+            <a:ext cx="11322341" cy="4247317"/>
+          </a:xfrm>
+          <a:prstGeom prst="rect">
+            <a:avLst/>
+          </a:prstGeom>
+        </p:spPr>
+        <p:txBody>
+          <a:bodyPr wrap="square">
+            <a:spAutoFit/>
+          </a:bodyPr>
+          <a:lstStyle/>
+          <a:p>
+            <a:pPr fontAlgn="base"/>
+            <a:r>
+              <a:rPr lang="en-US" sz="1200" dirty="0">
+                <a:latin typeface="Poppins" panose="00000500000000000000" pitchFamily="2" charset="0"/>
+                <a:cs typeface="Poppins" panose="00000500000000000000" pitchFamily="2" charset="0"/>
+              </a:rPr>
+              <a:t/>
+            </a:r>
+            <a:br>
+              <a:rPr lang="en-US" sz="1200" dirty="0">
+                <a:latin typeface="Poppins" panose="00000500000000000000" pitchFamily="2" charset="0"/>
+                <a:cs typeface="Poppins" panose="00000500000000000000" pitchFamily="2" charset="0"/>
+              </a:rPr>
+            </a:br>
+            <a:r>
+              <a:rPr lang="en-US" sz="1200" dirty="0">
+                <a:latin typeface="Poppins" panose="00000500000000000000" pitchFamily="2" charset="0"/>
+                <a:cs typeface="Poppins" panose="00000500000000000000" pitchFamily="2" charset="0"/>
+              </a:rPr>
+              <a:t>A Comparative Study of White Box, Black Box and Grey Box Testing </a:t>
+            </a:r>
+            <a:r>
+              <a:rPr lang="en-US" sz="1200" dirty="0" smtClean="0">
+                <a:latin typeface="Poppins" panose="00000500000000000000" pitchFamily="2" charset="0"/>
+                <a:cs typeface="Poppins" panose="00000500000000000000" pitchFamily="2" charset="0"/>
+              </a:rPr>
+              <a:t>Techniques</a:t>
+            </a:r>
+          </a:p>
+          <a:p>
+            <a:pPr fontAlgn="base"/>
+            <a:r>
+              <a:rPr lang="en-US" altLang="zh-CN" sz="1200" dirty="0" smtClean="0">
+                <a:solidFill>
+                  <a:srgbClr val="0A3383"/>
+                </a:solidFill>
+                <a:latin typeface="Poppins" panose="00000500000000000000" pitchFamily="2" charset="0"/>
+                <a:ea typeface="字魂160号-檀宋" panose="00000500000000000000" pitchFamily="2" charset="-122"/>
+                <a:cs typeface="Poppins" panose="00000500000000000000" pitchFamily="2" charset="0"/>
+                <a:sym typeface="字魂160号-檀宋" panose="00000500000000000000" pitchFamily="2" charset="-122"/>
+                <a:hlinkClick r:id="rId2"/>
+              </a:rPr>
+              <a:t>https</a:t>
+            </a:r>
+            <a:r>
+              <a:rPr lang="en-US" altLang="zh-CN" sz="1200" dirty="0">
+                <a:solidFill>
+                  <a:srgbClr val="0A3383"/>
+                </a:solidFill>
+                <a:latin typeface="Poppins" panose="00000500000000000000" pitchFamily="2" charset="0"/>
+                <a:ea typeface="字魂160号-檀宋" panose="00000500000000000000" pitchFamily="2" charset="-122"/>
+                <a:cs typeface="Poppins" panose="00000500000000000000" pitchFamily="2" charset="0"/>
+                <a:sym typeface="字魂160号-檀宋" panose="00000500000000000000" pitchFamily="2" charset="-122"/>
+                <a:hlinkClick r:id="rId2"/>
+              </a:rPr>
+              <a:t>://</a:t>
+            </a:r>
+            <a:r>
+              <a:rPr lang="en-US" altLang="zh-CN" sz="1200" dirty="0" smtClean="0">
+                <a:solidFill>
+                  <a:srgbClr val="0A3383"/>
+                </a:solidFill>
+                <a:latin typeface="Poppins" panose="00000500000000000000" pitchFamily="2" charset="0"/>
+                <a:ea typeface="字魂160号-檀宋" panose="00000500000000000000" pitchFamily="2" charset="-122"/>
+                <a:cs typeface="Poppins" panose="00000500000000000000" pitchFamily="2" charset="0"/>
+                <a:sym typeface="字魂160号-檀宋" panose="00000500000000000000" pitchFamily="2" charset="-122"/>
+                <a:hlinkClick r:id="rId2"/>
+              </a:rPr>
+              <a:t>thesai.org/Publications/ViewPaper?Volume=3&amp;Issue=6&amp;Code=IJACSA&amp;SerialNo=3</a:t>
+            </a:r>
+            <a:endParaRPr lang="en-US" altLang="zh-CN" sz="1200" dirty="0" smtClean="0">
+              <a:solidFill>
+                <a:srgbClr val="0A3383"/>
+              </a:solidFill>
+              <a:latin typeface="Poppins" panose="00000500000000000000" pitchFamily="2" charset="0"/>
+              <a:ea typeface="字魂160号-檀宋" panose="00000500000000000000" pitchFamily="2" charset="-122"/>
+              <a:cs typeface="Poppins" panose="00000500000000000000" pitchFamily="2" charset="0"/>
+              <a:sym typeface="字魂160号-檀宋" panose="00000500000000000000" pitchFamily="2" charset="-122"/>
+            </a:endParaRPr>
+          </a:p>
+          <a:p>
+            <a:pPr algn="just">
+              <a:lnSpc>
+                <a:spcPct val="150000"/>
+              </a:lnSpc>
+            </a:pPr>
+            <a:endParaRPr lang="en-US" altLang="zh-CN" sz="1200" dirty="0" smtClean="0">
+              <a:solidFill>
+                <a:srgbClr val="0A3383"/>
+              </a:solidFill>
+              <a:latin typeface="Poppins" panose="00000500000000000000" pitchFamily="2" charset="0"/>
+              <a:ea typeface="字魂160号-檀宋" panose="00000500000000000000" pitchFamily="2" charset="-122"/>
+              <a:cs typeface="Poppins" panose="00000500000000000000" pitchFamily="2" charset="0"/>
+              <a:sym typeface="字魂160号-檀宋" panose="00000500000000000000" pitchFamily="2" charset="-122"/>
+            </a:endParaRPr>
+          </a:p>
+          <a:p>
+            <a:pPr algn="just">
+              <a:lnSpc>
+                <a:spcPct val="150000"/>
+              </a:lnSpc>
+            </a:pPr>
+            <a:r>
+              <a:rPr lang="en-US" altLang="zh-CN" sz="1200" dirty="0" err="1" smtClean="0">
+                <a:latin typeface="Poppins" panose="00000500000000000000" pitchFamily="2" charset="0"/>
+                <a:ea typeface="字魂160号-檀宋" panose="00000500000000000000" pitchFamily="2" charset="-122"/>
+                <a:cs typeface="Poppins" panose="00000500000000000000" pitchFamily="2" charset="0"/>
+                <a:sym typeface="字魂160号-檀宋" panose="00000500000000000000" pitchFamily="2" charset="-122"/>
+              </a:rPr>
+              <a:t>Apa</a:t>
+            </a:r>
+            <a:r>
+              <a:rPr lang="en-US" altLang="zh-CN" sz="1200" dirty="0" smtClean="0">
+                <a:latin typeface="Poppins" panose="00000500000000000000" pitchFamily="2" charset="0"/>
+                <a:ea typeface="字魂160号-檀宋" panose="00000500000000000000" pitchFamily="2" charset="-122"/>
+                <a:cs typeface="Poppins" panose="00000500000000000000" pitchFamily="2" charset="0"/>
+                <a:sym typeface="字魂160号-檀宋" panose="00000500000000000000" pitchFamily="2" charset="-122"/>
+              </a:rPr>
+              <a:t> </a:t>
+            </a:r>
+            <a:r>
+              <a:rPr lang="en-US" altLang="zh-CN" sz="1200" dirty="0" err="1">
+                <a:latin typeface="Poppins" panose="00000500000000000000" pitchFamily="2" charset="0"/>
+                <a:ea typeface="字魂160号-檀宋" panose="00000500000000000000" pitchFamily="2" charset="-122"/>
+                <a:cs typeface="Poppins" panose="00000500000000000000" pitchFamily="2" charset="0"/>
+                <a:sym typeface="字魂160号-檀宋" panose="00000500000000000000" pitchFamily="2" charset="-122"/>
+              </a:rPr>
+              <a:t>Itu</a:t>
+            </a:r>
+            <a:r>
+              <a:rPr lang="en-US" altLang="zh-CN" sz="1200" dirty="0">
+                <a:latin typeface="Poppins" panose="00000500000000000000" pitchFamily="2" charset="0"/>
+                <a:ea typeface="字魂160号-檀宋" panose="00000500000000000000" pitchFamily="2" charset="-122"/>
+                <a:cs typeface="Poppins" panose="00000500000000000000" pitchFamily="2" charset="0"/>
+                <a:sym typeface="字魂160号-檀宋" panose="00000500000000000000" pitchFamily="2" charset="-122"/>
+              </a:rPr>
+              <a:t> Continuous Integration/Continuous Deployment?</a:t>
+            </a:r>
+            <a:endParaRPr lang="en-US" altLang="zh-CN" sz="1200" dirty="0" smtClean="0">
+              <a:latin typeface="Poppins" panose="00000500000000000000" pitchFamily="2" charset="0"/>
+              <a:ea typeface="字魂160号-檀宋" panose="00000500000000000000" pitchFamily="2" charset="-122"/>
+              <a:cs typeface="Poppins" panose="00000500000000000000" pitchFamily="2" charset="0"/>
+              <a:sym typeface="字魂160号-檀宋" panose="00000500000000000000" pitchFamily="2" charset="-122"/>
+            </a:endParaRPr>
+          </a:p>
+          <a:p>
+            <a:pPr algn="just">
+              <a:lnSpc>
+                <a:spcPct val="150000"/>
+              </a:lnSpc>
+            </a:pPr>
+            <a:r>
+              <a:rPr lang="en-US" altLang="zh-CN" sz="1200" dirty="0" smtClean="0">
+                <a:solidFill>
+                  <a:srgbClr val="0A3383"/>
+                </a:solidFill>
+                <a:latin typeface="Poppins" panose="00000500000000000000" pitchFamily="2" charset="0"/>
+                <a:ea typeface="字魂160号-檀宋" panose="00000500000000000000" pitchFamily="2" charset="-122"/>
+                <a:cs typeface="Poppins" panose="00000500000000000000" pitchFamily="2" charset="0"/>
+                <a:sym typeface="字魂160号-檀宋" panose="00000500000000000000" pitchFamily="2" charset="-122"/>
+                <a:hlinkClick r:id="rId3"/>
+              </a:rPr>
+              <a:t>https</a:t>
+            </a:r>
+            <a:r>
+              <a:rPr lang="en-US" altLang="zh-CN" sz="1200" dirty="0">
+                <a:solidFill>
+                  <a:srgbClr val="0A3383"/>
+                </a:solidFill>
+                <a:latin typeface="Poppins" panose="00000500000000000000" pitchFamily="2" charset="0"/>
+                <a:ea typeface="字魂160号-檀宋" panose="00000500000000000000" pitchFamily="2" charset="-122"/>
+                <a:cs typeface="Poppins" panose="00000500000000000000" pitchFamily="2" charset="0"/>
+                <a:sym typeface="字魂160号-檀宋" panose="00000500000000000000" pitchFamily="2" charset="-122"/>
+                <a:hlinkClick r:id="rId3"/>
+              </a:rPr>
+              <a:t>://</a:t>
+            </a:r>
+            <a:r>
+              <a:rPr lang="en-US" altLang="zh-CN" sz="1200" dirty="0" smtClean="0">
+                <a:solidFill>
+                  <a:srgbClr val="0A3383"/>
+                </a:solidFill>
+                <a:latin typeface="Poppins" panose="00000500000000000000" pitchFamily="2" charset="0"/>
+                <a:ea typeface="字魂160号-檀宋" panose="00000500000000000000" pitchFamily="2" charset="-122"/>
+                <a:cs typeface="Poppins" panose="00000500000000000000" pitchFamily="2" charset="0"/>
+                <a:sym typeface="字魂160号-檀宋" panose="00000500000000000000" pitchFamily="2" charset="-122"/>
+                <a:hlinkClick r:id="rId3"/>
+              </a:rPr>
+              <a:t>teknik-informatika-s1.stekom.ac.id/informasi/baca/Apa-Itu-Continuous-IntegrationContinuous-Deployment/f0c31f04d1f4cecc1909ec40bd3cac7b7732baa1</a:t>
+            </a:r>
+            <a:endParaRPr lang="en-US" altLang="zh-CN" sz="1200" dirty="0" smtClean="0">
+              <a:solidFill>
+                <a:srgbClr val="0A3383"/>
+              </a:solidFill>
+              <a:latin typeface="Poppins" panose="00000500000000000000" pitchFamily="2" charset="0"/>
+              <a:ea typeface="字魂160号-檀宋" panose="00000500000000000000" pitchFamily="2" charset="-122"/>
+              <a:cs typeface="Poppins" panose="00000500000000000000" pitchFamily="2" charset="0"/>
+              <a:sym typeface="字魂160号-檀宋" panose="00000500000000000000" pitchFamily="2" charset="-122"/>
+            </a:endParaRPr>
+          </a:p>
+          <a:p>
+            <a:pPr algn="just">
+              <a:lnSpc>
+                <a:spcPct val="150000"/>
+              </a:lnSpc>
+            </a:pPr>
+            <a:endParaRPr lang="en-US" altLang="zh-CN" sz="1200" dirty="0" smtClean="0">
+              <a:solidFill>
+                <a:srgbClr val="0A3383"/>
+              </a:solidFill>
+              <a:latin typeface="Poppins" panose="00000500000000000000" pitchFamily="2" charset="0"/>
+              <a:ea typeface="字魂160号-檀宋" panose="00000500000000000000" pitchFamily="2" charset="-122"/>
+              <a:cs typeface="Poppins" panose="00000500000000000000" pitchFamily="2" charset="0"/>
+              <a:sym typeface="字魂160号-檀宋" panose="00000500000000000000" pitchFamily="2" charset="-122"/>
+            </a:endParaRPr>
+          </a:p>
+          <a:p>
+            <a:pPr algn="just">
+              <a:lnSpc>
+                <a:spcPct val="150000"/>
+              </a:lnSpc>
+            </a:pPr>
+            <a:r>
+              <a:rPr lang="en-US" sz="1200" dirty="0">
+                <a:latin typeface="Poppins" panose="00000500000000000000" pitchFamily="2" charset="0"/>
+                <a:cs typeface="Poppins" panose="00000500000000000000" pitchFamily="2" charset="0"/>
+              </a:rPr>
+              <a:t>CI/CD: </a:t>
+            </a:r>
+            <a:r>
+              <a:rPr lang="en-US" sz="1200" dirty="0" err="1">
+                <a:latin typeface="Poppins" panose="00000500000000000000" pitchFamily="2" charset="0"/>
+                <a:cs typeface="Poppins" panose="00000500000000000000" pitchFamily="2" charset="0"/>
+              </a:rPr>
+              <a:t>Pengertian</a:t>
+            </a:r>
+            <a:r>
+              <a:rPr lang="en-US" sz="1200" dirty="0">
+                <a:latin typeface="Poppins" panose="00000500000000000000" pitchFamily="2" charset="0"/>
+                <a:cs typeface="Poppins" panose="00000500000000000000" pitchFamily="2" charset="0"/>
+              </a:rPr>
+              <a:t>, Cara </a:t>
+            </a:r>
+            <a:r>
+              <a:rPr lang="en-US" sz="1200" dirty="0" err="1">
+                <a:latin typeface="Poppins" panose="00000500000000000000" pitchFamily="2" charset="0"/>
+                <a:cs typeface="Poppins" panose="00000500000000000000" pitchFamily="2" charset="0"/>
+              </a:rPr>
+              <a:t>Kerja</a:t>
+            </a:r>
+            <a:r>
+              <a:rPr lang="en-US" sz="1200" dirty="0">
+                <a:latin typeface="Poppins" panose="00000500000000000000" pitchFamily="2" charset="0"/>
+                <a:cs typeface="Poppins" panose="00000500000000000000" pitchFamily="2" charset="0"/>
+              </a:rPr>
+              <a:t>, Tools, </a:t>
+            </a:r>
+            <a:r>
+              <a:rPr lang="en-US" sz="1200" dirty="0" err="1">
+                <a:latin typeface="Poppins" panose="00000500000000000000" pitchFamily="2" charset="0"/>
+                <a:cs typeface="Poppins" panose="00000500000000000000" pitchFamily="2" charset="0"/>
+              </a:rPr>
+              <a:t>serta</a:t>
+            </a:r>
+            <a:r>
+              <a:rPr lang="en-US" sz="1200" dirty="0">
+                <a:latin typeface="Poppins" panose="00000500000000000000" pitchFamily="2" charset="0"/>
+                <a:cs typeface="Poppins" panose="00000500000000000000" pitchFamily="2" charset="0"/>
+              </a:rPr>
+              <a:t> </a:t>
+            </a:r>
+            <a:r>
+              <a:rPr lang="en-US" sz="1200" dirty="0" err="1">
+                <a:latin typeface="Poppins" panose="00000500000000000000" pitchFamily="2" charset="0"/>
+                <a:cs typeface="Poppins" panose="00000500000000000000" pitchFamily="2" charset="0"/>
+              </a:rPr>
+              <a:t>Manfaatnya</a:t>
+            </a:r>
+            <a:endParaRPr lang="en-US" sz="1200" dirty="0">
+              <a:latin typeface="Poppins" panose="00000500000000000000" pitchFamily="2" charset="0"/>
+              <a:cs typeface="Poppins" panose="00000500000000000000" pitchFamily="2" charset="0"/>
+            </a:endParaRPr>
+          </a:p>
+          <a:p>
+            <a:pPr algn="just">
+              <a:lnSpc>
+                <a:spcPct val="150000"/>
+              </a:lnSpc>
+            </a:pPr>
+            <a:r>
+              <a:rPr lang="en-US" altLang="zh-CN" sz="1200" dirty="0" smtClean="0">
+                <a:solidFill>
+                  <a:srgbClr val="0A3383"/>
+                </a:solidFill>
+                <a:latin typeface="Poppins" panose="00000500000000000000" pitchFamily="2" charset="0"/>
+                <a:ea typeface="字魂160号-檀宋" panose="00000500000000000000" pitchFamily="2" charset="-122"/>
+                <a:cs typeface="Poppins" panose="00000500000000000000" pitchFamily="2" charset="0"/>
+                <a:sym typeface="字魂160号-檀宋" panose="00000500000000000000" pitchFamily="2" charset="-122"/>
+                <a:hlinkClick r:id="rId4"/>
+              </a:rPr>
+              <a:t>https</a:t>
+            </a:r>
+            <a:r>
+              <a:rPr lang="en-US" altLang="zh-CN" sz="1200" dirty="0">
+                <a:solidFill>
+                  <a:srgbClr val="0A3383"/>
+                </a:solidFill>
+                <a:latin typeface="Poppins" panose="00000500000000000000" pitchFamily="2" charset="0"/>
+                <a:ea typeface="字魂160号-檀宋" panose="00000500000000000000" pitchFamily="2" charset="-122"/>
+                <a:cs typeface="Poppins" panose="00000500000000000000" pitchFamily="2" charset="0"/>
+                <a:sym typeface="字魂160号-檀宋" panose="00000500000000000000" pitchFamily="2" charset="-122"/>
+                <a:hlinkClick r:id="rId4"/>
+              </a:rPr>
+              <a:t>://</a:t>
+            </a:r>
+            <a:r>
+              <a:rPr lang="en-US" altLang="zh-CN" sz="1200" dirty="0" smtClean="0">
+                <a:solidFill>
+                  <a:srgbClr val="0A3383"/>
+                </a:solidFill>
+                <a:latin typeface="Poppins" panose="00000500000000000000" pitchFamily="2" charset="0"/>
+                <a:ea typeface="字魂160号-檀宋" panose="00000500000000000000" pitchFamily="2" charset="-122"/>
+                <a:cs typeface="Poppins" panose="00000500000000000000" pitchFamily="2" charset="0"/>
+                <a:sym typeface="字魂160号-檀宋" panose="00000500000000000000" pitchFamily="2" charset="-122"/>
+                <a:hlinkClick r:id="rId4"/>
+              </a:rPr>
+              <a:t>cmlabs.co/id-id/seo-terms/cicd-adalah</a:t>
+            </a:r>
+            <a:endParaRPr lang="en-US" altLang="zh-CN" sz="1200" dirty="0" smtClean="0">
+              <a:solidFill>
+                <a:srgbClr val="0A3383"/>
+              </a:solidFill>
+              <a:latin typeface="Poppins" panose="00000500000000000000" pitchFamily="2" charset="0"/>
+              <a:ea typeface="字魂160号-檀宋" panose="00000500000000000000" pitchFamily="2" charset="-122"/>
+              <a:cs typeface="Poppins" panose="00000500000000000000" pitchFamily="2" charset="0"/>
+              <a:sym typeface="字魂160号-檀宋" panose="00000500000000000000" pitchFamily="2" charset="-122"/>
+            </a:endParaRPr>
+          </a:p>
+          <a:p>
+            <a:pPr algn="just">
+              <a:lnSpc>
+                <a:spcPct val="150000"/>
+              </a:lnSpc>
+            </a:pPr>
+            <a:endParaRPr lang="en-US" altLang="zh-CN" sz="1200" dirty="0">
+              <a:solidFill>
+                <a:srgbClr val="0A3383"/>
+              </a:solidFill>
+              <a:latin typeface="Poppins" panose="00000500000000000000" pitchFamily="2" charset="0"/>
+              <a:ea typeface="字魂160号-檀宋" panose="00000500000000000000" pitchFamily="2" charset="-122"/>
+              <a:cs typeface="Poppins" panose="00000500000000000000" pitchFamily="2" charset="0"/>
+              <a:sym typeface="字魂160号-檀宋" panose="00000500000000000000" pitchFamily="2" charset="-122"/>
+            </a:endParaRPr>
+          </a:p>
+          <a:p>
+            <a:pPr algn="just">
+              <a:lnSpc>
+                <a:spcPct val="150000"/>
+              </a:lnSpc>
+            </a:pPr>
+            <a:r>
+              <a:rPr lang="en-US" altLang="zh-CN" sz="1200" dirty="0" err="1" smtClean="0">
+                <a:latin typeface="Poppins" panose="00000500000000000000" pitchFamily="2" charset="0"/>
+                <a:ea typeface="字魂160号-檀宋" panose="00000500000000000000" pitchFamily="2" charset="-122"/>
+                <a:cs typeface="Poppins" panose="00000500000000000000" pitchFamily="2" charset="0"/>
+                <a:sym typeface="字魂160号-檀宋" panose="00000500000000000000" pitchFamily="2" charset="-122"/>
+              </a:rPr>
+              <a:t>Implementasi</a:t>
+            </a:r>
+            <a:r>
+              <a:rPr lang="en-US" altLang="zh-CN" sz="1200" dirty="0" smtClean="0">
+                <a:latin typeface="Poppins" panose="00000500000000000000" pitchFamily="2" charset="0"/>
+                <a:ea typeface="字魂160号-檀宋" panose="00000500000000000000" pitchFamily="2" charset="-122"/>
+                <a:cs typeface="Poppins" panose="00000500000000000000" pitchFamily="2" charset="0"/>
+                <a:sym typeface="字魂160号-檀宋" panose="00000500000000000000" pitchFamily="2" charset="-122"/>
+              </a:rPr>
+              <a:t> White Box Testing </a:t>
+            </a:r>
+            <a:r>
+              <a:rPr lang="en-US" altLang="zh-CN" sz="1200" dirty="0" err="1" smtClean="0">
+                <a:latin typeface="Poppins" panose="00000500000000000000" pitchFamily="2" charset="0"/>
+                <a:ea typeface="字魂160号-檀宋" panose="00000500000000000000" pitchFamily="2" charset="-122"/>
+                <a:cs typeface="Poppins" panose="00000500000000000000" pitchFamily="2" charset="0"/>
+                <a:sym typeface="字魂160号-檀宋" panose="00000500000000000000" pitchFamily="2" charset="-122"/>
+              </a:rPr>
+              <a:t>Dengan</a:t>
+            </a:r>
+            <a:r>
+              <a:rPr lang="en-US" altLang="zh-CN" sz="1200" dirty="0" smtClean="0">
+                <a:latin typeface="Poppins" panose="00000500000000000000" pitchFamily="2" charset="0"/>
+                <a:ea typeface="字魂160号-檀宋" panose="00000500000000000000" pitchFamily="2" charset="-122"/>
+                <a:cs typeface="Poppins" panose="00000500000000000000" pitchFamily="2" charset="0"/>
+                <a:sym typeface="字魂160号-檀宋" panose="00000500000000000000" pitchFamily="2" charset="-122"/>
+              </a:rPr>
+              <a:t> </a:t>
+            </a:r>
+            <a:r>
+              <a:rPr lang="en-US" altLang="zh-CN" sz="1200" dirty="0" err="1" smtClean="0">
+                <a:latin typeface="Poppins" panose="00000500000000000000" pitchFamily="2" charset="0"/>
+                <a:ea typeface="字魂160号-檀宋" panose="00000500000000000000" pitchFamily="2" charset="-122"/>
+                <a:cs typeface="Poppins" panose="00000500000000000000" pitchFamily="2" charset="0"/>
+                <a:sym typeface="字魂160号-檀宋" panose="00000500000000000000" pitchFamily="2" charset="-122"/>
+              </a:rPr>
+              <a:t>Teknik</a:t>
+            </a:r>
+            <a:r>
+              <a:rPr lang="en-US" altLang="zh-CN" sz="1200" dirty="0" smtClean="0">
+                <a:latin typeface="Poppins" panose="00000500000000000000" pitchFamily="2" charset="0"/>
+                <a:ea typeface="字魂160号-檀宋" panose="00000500000000000000" pitchFamily="2" charset="-122"/>
+                <a:cs typeface="Poppins" panose="00000500000000000000" pitchFamily="2" charset="0"/>
+                <a:sym typeface="字魂160号-檀宋" panose="00000500000000000000" pitchFamily="2" charset="-122"/>
+              </a:rPr>
+              <a:t> Basis Path </a:t>
+            </a:r>
+            <a:r>
+              <a:rPr lang="en-US" altLang="zh-CN" sz="1200" dirty="0" err="1" smtClean="0">
+                <a:latin typeface="Poppins" panose="00000500000000000000" pitchFamily="2" charset="0"/>
+                <a:ea typeface="字魂160号-檀宋" panose="00000500000000000000" pitchFamily="2" charset="-122"/>
+                <a:cs typeface="Poppins" panose="00000500000000000000" pitchFamily="2" charset="0"/>
+                <a:sym typeface="字魂160号-檀宋" panose="00000500000000000000" pitchFamily="2" charset="-122"/>
+              </a:rPr>
+              <a:t>Pada</a:t>
+            </a:r>
+            <a:r>
+              <a:rPr lang="en-US" altLang="zh-CN" sz="1200" dirty="0" smtClean="0">
+                <a:latin typeface="Poppins" panose="00000500000000000000" pitchFamily="2" charset="0"/>
+                <a:ea typeface="字魂160号-檀宋" panose="00000500000000000000" pitchFamily="2" charset="-122"/>
+                <a:cs typeface="Poppins" panose="00000500000000000000" pitchFamily="2" charset="0"/>
+                <a:sym typeface="字魂160号-檀宋" panose="00000500000000000000" pitchFamily="2" charset="-122"/>
+              </a:rPr>
+              <a:t> </a:t>
+            </a:r>
+            <a:r>
+              <a:rPr lang="en-US" altLang="zh-CN" sz="1200" dirty="0" err="1" smtClean="0">
+                <a:latin typeface="Poppins" panose="00000500000000000000" pitchFamily="2" charset="0"/>
+                <a:ea typeface="字魂160号-檀宋" panose="00000500000000000000" pitchFamily="2" charset="-122"/>
+                <a:cs typeface="Poppins" panose="00000500000000000000" pitchFamily="2" charset="0"/>
+                <a:sym typeface="字魂160号-檀宋" panose="00000500000000000000" pitchFamily="2" charset="-122"/>
+              </a:rPr>
+              <a:t>Pengujian</a:t>
+            </a:r>
+            <a:r>
+              <a:rPr lang="en-US" altLang="zh-CN" sz="1200" dirty="0" smtClean="0">
+                <a:latin typeface="Poppins" panose="00000500000000000000" pitchFamily="2" charset="0"/>
+                <a:ea typeface="字魂160号-檀宋" panose="00000500000000000000" pitchFamily="2" charset="-122"/>
+                <a:cs typeface="Poppins" panose="00000500000000000000" pitchFamily="2" charset="0"/>
+                <a:sym typeface="字魂160号-檀宋" panose="00000500000000000000" pitchFamily="2" charset="-122"/>
+              </a:rPr>
+              <a:t> Form Login</a:t>
+            </a:r>
+          </a:p>
+          <a:p>
+            <a:pPr algn="just">
+              <a:lnSpc>
+                <a:spcPct val="150000"/>
+              </a:lnSpc>
+            </a:pPr>
+            <a:r>
+              <a:rPr lang="en-US" altLang="zh-CN" sz="1200" dirty="0" smtClean="0">
+                <a:solidFill>
+                  <a:srgbClr val="0A3383"/>
+                </a:solidFill>
+                <a:latin typeface="Poppins" panose="00000500000000000000" pitchFamily="2" charset="0"/>
+                <a:ea typeface="字魂160号-檀宋" panose="00000500000000000000" pitchFamily="2" charset="-122"/>
+                <a:cs typeface="Poppins" panose="00000500000000000000" pitchFamily="2" charset="0"/>
+                <a:sym typeface="字魂160号-檀宋" panose="00000500000000000000" pitchFamily="2" charset="-122"/>
+                <a:hlinkClick r:id="rId5"/>
+              </a:rPr>
+              <a:t>https</a:t>
+            </a:r>
+            <a:r>
+              <a:rPr lang="en-US" altLang="zh-CN" sz="1200" dirty="0">
+                <a:solidFill>
+                  <a:srgbClr val="0A3383"/>
+                </a:solidFill>
+                <a:latin typeface="Poppins" panose="00000500000000000000" pitchFamily="2" charset="0"/>
+                <a:ea typeface="字魂160号-檀宋" panose="00000500000000000000" pitchFamily="2" charset="-122"/>
+                <a:cs typeface="Poppins" panose="00000500000000000000" pitchFamily="2" charset="0"/>
+                <a:sym typeface="字魂160号-檀宋" panose="00000500000000000000" pitchFamily="2" charset="-122"/>
+                <a:hlinkClick r:id="rId5"/>
+              </a:rPr>
+              <a:t>://</a:t>
+            </a:r>
+            <a:r>
+              <a:rPr lang="en-US" altLang="zh-CN" sz="1200" dirty="0" smtClean="0">
+                <a:solidFill>
+                  <a:srgbClr val="0A3383"/>
+                </a:solidFill>
+                <a:latin typeface="Poppins" panose="00000500000000000000" pitchFamily="2" charset="0"/>
+                <a:ea typeface="字魂160号-檀宋" panose="00000500000000000000" pitchFamily="2" charset="-122"/>
+                <a:cs typeface="Poppins" panose="00000500000000000000" pitchFamily="2" charset="0"/>
+                <a:sym typeface="字魂160号-檀宋" panose="00000500000000000000" pitchFamily="2" charset="-122"/>
+                <a:hlinkClick r:id="rId5"/>
+              </a:rPr>
+              <a:t>jurnal.unsil.ac.id/index.php/jssainstek/article/view/4086</a:t>
+            </a:r>
+            <a:endParaRPr lang="en-US" altLang="zh-CN" sz="1200" dirty="0" smtClean="0">
+              <a:solidFill>
+                <a:srgbClr val="0A3383"/>
+              </a:solidFill>
+              <a:latin typeface="Poppins" panose="00000500000000000000" pitchFamily="2" charset="0"/>
+              <a:ea typeface="字魂160号-檀宋" panose="00000500000000000000" pitchFamily="2" charset="-122"/>
+              <a:cs typeface="Poppins" panose="00000500000000000000" pitchFamily="2" charset="0"/>
+              <a:sym typeface="字魂160号-檀宋" panose="00000500000000000000" pitchFamily="2" charset="-122"/>
+            </a:endParaRPr>
+          </a:p>
+          <a:p>
+            <a:pPr algn="just">
+              <a:lnSpc>
+                <a:spcPct val="150000"/>
+              </a:lnSpc>
+            </a:pPr>
+            <a:endParaRPr lang="en-US" altLang="zh-CN" sz="1200" dirty="0" smtClean="0">
+              <a:solidFill>
+                <a:srgbClr val="0A3383"/>
+              </a:solidFill>
+              <a:latin typeface="Poppins" panose="00000500000000000000" pitchFamily="2" charset="0"/>
+              <a:ea typeface="字魂160号-檀宋" panose="00000500000000000000" pitchFamily="2" charset="-122"/>
+              <a:cs typeface="Poppins" panose="00000500000000000000" pitchFamily="2" charset="0"/>
+              <a:sym typeface="字魂160号-檀宋" panose="00000500000000000000" pitchFamily="2" charset="-122"/>
+            </a:endParaRPr>
+          </a:p>
+          <a:p>
+            <a:pPr algn="just">
+              <a:lnSpc>
+                <a:spcPct val="150000"/>
+              </a:lnSpc>
+            </a:pPr>
+            <a:r>
+              <a:rPr lang="en-US" altLang="zh-CN" sz="1200" dirty="0" smtClean="0">
+                <a:latin typeface="Poppins" panose="00000500000000000000" pitchFamily="2" charset="0"/>
+                <a:ea typeface="字魂160号-檀宋" panose="00000500000000000000" pitchFamily="2" charset="-122"/>
+                <a:cs typeface="Poppins" panose="00000500000000000000" pitchFamily="2" charset="0"/>
+                <a:sym typeface="字魂160号-檀宋" panose="00000500000000000000" pitchFamily="2" charset="-122"/>
+              </a:rPr>
+              <a:t>Unit </a:t>
+            </a:r>
+            <a:r>
+              <a:rPr lang="en-US" altLang="zh-CN" sz="1200" dirty="0">
+                <a:latin typeface="Poppins" panose="00000500000000000000" pitchFamily="2" charset="0"/>
+                <a:ea typeface="字魂160号-檀宋" panose="00000500000000000000" pitchFamily="2" charset="-122"/>
+                <a:cs typeface="Poppins" panose="00000500000000000000" pitchFamily="2" charset="0"/>
+                <a:sym typeface="字魂160号-檀宋" panose="00000500000000000000" pitchFamily="2" charset="-122"/>
+              </a:rPr>
+              <a:t>Testing: </a:t>
+            </a:r>
+            <a:r>
+              <a:rPr lang="en-US" altLang="zh-CN" sz="1200" dirty="0" err="1">
+                <a:latin typeface="Poppins" panose="00000500000000000000" pitchFamily="2" charset="0"/>
+                <a:ea typeface="字魂160号-檀宋" panose="00000500000000000000" pitchFamily="2" charset="-122"/>
+                <a:cs typeface="Poppins" panose="00000500000000000000" pitchFamily="2" charset="0"/>
+                <a:sym typeface="字魂160号-檀宋" panose="00000500000000000000" pitchFamily="2" charset="-122"/>
+              </a:rPr>
+              <a:t>Dilakukan</a:t>
+            </a:r>
+            <a:r>
+              <a:rPr lang="en-US" altLang="zh-CN" sz="1200" dirty="0">
+                <a:latin typeface="Poppins" panose="00000500000000000000" pitchFamily="2" charset="0"/>
+                <a:ea typeface="字魂160号-檀宋" panose="00000500000000000000" pitchFamily="2" charset="-122"/>
+                <a:cs typeface="Poppins" panose="00000500000000000000" pitchFamily="2" charset="0"/>
+                <a:sym typeface="字魂160号-檀宋" panose="00000500000000000000" pitchFamily="2" charset="-122"/>
+              </a:rPr>
+              <a:t> </a:t>
+            </a:r>
+            <a:r>
+              <a:rPr lang="en-US" altLang="zh-CN" sz="1200" dirty="0" err="1">
+                <a:latin typeface="Poppins" panose="00000500000000000000" pitchFamily="2" charset="0"/>
+                <a:ea typeface="字魂160号-檀宋" panose="00000500000000000000" pitchFamily="2" charset="-122"/>
+                <a:cs typeface="Poppins" panose="00000500000000000000" pitchFamily="2" charset="0"/>
+                <a:sym typeface="字魂160号-檀宋" panose="00000500000000000000" pitchFamily="2" charset="-122"/>
+              </a:rPr>
+              <a:t>untuk</a:t>
+            </a:r>
+            <a:r>
+              <a:rPr lang="en-US" altLang="zh-CN" sz="1200" dirty="0">
+                <a:latin typeface="Poppins" panose="00000500000000000000" pitchFamily="2" charset="0"/>
+                <a:ea typeface="字魂160号-檀宋" panose="00000500000000000000" pitchFamily="2" charset="-122"/>
+                <a:cs typeface="Poppins" panose="00000500000000000000" pitchFamily="2" charset="0"/>
+                <a:sym typeface="字魂160号-檀宋" panose="00000500000000000000" pitchFamily="2" charset="-122"/>
+              </a:rPr>
+              <a:t> </a:t>
+            </a:r>
+            <a:r>
+              <a:rPr lang="en-US" altLang="zh-CN" sz="1200" dirty="0" err="1">
+                <a:latin typeface="Poppins" panose="00000500000000000000" pitchFamily="2" charset="0"/>
+                <a:ea typeface="字魂160号-檀宋" panose="00000500000000000000" pitchFamily="2" charset="-122"/>
+                <a:cs typeface="Poppins" panose="00000500000000000000" pitchFamily="2" charset="0"/>
+                <a:sym typeface="字魂160号-檀宋" panose="00000500000000000000" pitchFamily="2" charset="-122"/>
+              </a:rPr>
+              <a:t>Cek</a:t>
+            </a:r>
+            <a:r>
+              <a:rPr lang="en-US" altLang="zh-CN" sz="1200" dirty="0">
+                <a:latin typeface="Poppins" panose="00000500000000000000" pitchFamily="2" charset="0"/>
+                <a:ea typeface="字魂160号-檀宋" panose="00000500000000000000" pitchFamily="2" charset="-122"/>
+                <a:cs typeface="Poppins" panose="00000500000000000000" pitchFamily="2" charset="0"/>
+                <a:sym typeface="字魂160号-檀宋" panose="00000500000000000000" pitchFamily="2" charset="-122"/>
+              </a:rPr>
+              <a:t> </a:t>
+            </a:r>
+            <a:r>
+              <a:rPr lang="en-US" altLang="zh-CN" sz="1200" dirty="0" err="1">
+                <a:latin typeface="Poppins" panose="00000500000000000000" pitchFamily="2" charset="0"/>
+                <a:ea typeface="字魂160号-檀宋" panose="00000500000000000000" pitchFamily="2" charset="-122"/>
+                <a:cs typeface="Poppins" panose="00000500000000000000" pitchFamily="2" charset="0"/>
+                <a:sym typeface="字魂160号-檀宋" panose="00000500000000000000" pitchFamily="2" charset="-122"/>
+              </a:rPr>
+              <a:t>Kualitas</a:t>
+            </a:r>
+            <a:r>
+              <a:rPr lang="en-US" altLang="zh-CN" sz="1200" dirty="0">
+                <a:latin typeface="Poppins" panose="00000500000000000000" pitchFamily="2" charset="0"/>
+                <a:ea typeface="字魂160号-檀宋" panose="00000500000000000000" pitchFamily="2" charset="-122"/>
+                <a:cs typeface="Poppins" panose="00000500000000000000" pitchFamily="2" charset="0"/>
+                <a:sym typeface="字魂160号-檀宋" panose="00000500000000000000" pitchFamily="2" charset="-122"/>
+              </a:rPr>
+              <a:t> </a:t>
+            </a:r>
+            <a:r>
+              <a:rPr lang="en-US" altLang="zh-CN" sz="1200" dirty="0" err="1">
+                <a:latin typeface="Poppins" panose="00000500000000000000" pitchFamily="2" charset="0"/>
+                <a:ea typeface="字魂160号-檀宋" panose="00000500000000000000" pitchFamily="2" charset="-122"/>
+                <a:cs typeface="Poppins" panose="00000500000000000000" pitchFamily="2" charset="0"/>
+                <a:sym typeface="字魂160号-檀宋" panose="00000500000000000000" pitchFamily="2" charset="-122"/>
+              </a:rPr>
+              <a:t>Setiap</a:t>
+            </a:r>
+            <a:r>
+              <a:rPr lang="en-US" altLang="zh-CN" sz="1200" dirty="0">
+                <a:latin typeface="Poppins" panose="00000500000000000000" pitchFamily="2" charset="0"/>
+                <a:ea typeface="字魂160号-檀宋" panose="00000500000000000000" pitchFamily="2" charset="-122"/>
+                <a:cs typeface="Poppins" panose="00000500000000000000" pitchFamily="2" charset="0"/>
+                <a:sym typeface="字魂160号-檀宋" panose="00000500000000000000" pitchFamily="2" charset="-122"/>
+              </a:rPr>
+              <a:t> </a:t>
+            </a:r>
+            <a:r>
+              <a:rPr lang="en-US" altLang="zh-CN" sz="1200" dirty="0" err="1">
+                <a:latin typeface="Poppins" panose="00000500000000000000" pitchFamily="2" charset="0"/>
+                <a:ea typeface="字魂160号-檀宋" panose="00000500000000000000" pitchFamily="2" charset="-122"/>
+                <a:cs typeface="Poppins" panose="00000500000000000000" pitchFamily="2" charset="0"/>
+                <a:sym typeface="字魂160号-檀宋" panose="00000500000000000000" pitchFamily="2" charset="-122"/>
+              </a:rPr>
+              <a:t>Bagian</a:t>
+            </a:r>
+            <a:r>
+              <a:rPr lang="en-US" altLang="zh-CN" sz="1200" dirty="0">
+                <a:latin typeface="Poppins" panose="00000500000000000000" pitchFamily="2" charset="0"/>
+                <a:ea typeface="字魂160号-檀宋" panose="00000500000000000000" pitchFamily="2" charset="-122"/>
+                <a:cs typeface="Poppins" panose="00000500000000000000" pitchFamily="2" charset="0"/>
+                <a:sym typeface="字魂160号-檀宋" panose="00000500000000000000" pitchFamily="2" charset="-122"/>
+              </a:rPr>
+              <a:t> Software</a:t>
+            </a:r>
+            <a:endParaRPr lang="en-US" altLang="zh-CN" sz="1200" dirty="0">
+              <a:latin typeface="Poppins" panose="00000500000000000000" pitchFamily="2" charset="0"/>
+              <a:ea typeface="字魂160号-檀宋" panose="00000500000000000000" pitchFamily="2" charset="-122"/>
+              <a:cs typeface="Poppins" panose="00000500000000000000" pitchFamily="2" charset="0"/>
+              <a:sym typeface="字魂160号-檀宋" panose="00000500000000000000" pitchFamily="2" charset="-122"/>
+            </a:endParaRPr>
+          </a:p>
+          <a:p>
+            <a:pPr algn="just">
+              <a:lnSpc>
+                <a:spcPct val="150000"/>
+              </a:lnSpc>
+            </a:pPr>
+            <a:r>
+              <a:rPr lang="en-US" altLang="zh-CN" sz="1200" dirty="0">
+                <a:solidFill>
+                  <a:srgbClr val="0A3383"/>
+                </a:solidFill>
+                <a:latin typeface="Poppins" panose="00000500000000000000" pitchFamily="2" charset="0"/>
+                <a:ea typeface="字魂160号-檀宋" panose="00000500000000000000" pitchFamily="2" charset="-122"/>
+                <a:cs typeface="Poppins" panose="00000500000000000000" pitchFamily="2" charset="0"/>
+                <a:sym typeface="字魂160号-檀宋" panose="00000500000000000000" pitchFamily="2" charset="-122"/>
+                <a:hlinkClick r:id="rId6"/>
+              </a:rPr>
+              <a:t>https://glints.com/id/lowongan/unit-testing-adalah</a:t>
+            </a:r>
+            <a:r>
+              <a:rPr lang="en-US" altLang="zh-CN" sz="1200" dirty="0" smtClean="0">
+                <a:solidFill>
+                  <a:srgbClr val="0A3383"/>
+                </a:solidFill>
+                <a:latin typeface="Poppins" panose="00000500000000000000" pitchFamily="2" charset="0"/>
+                <a:ea typeface="字魂160号-檀宋" panose="00000500000000000000" pitchFamily="2" charset="-122"/>
+                <a:cs typeface="Poppins" panose="00000500000000000000" pitchFamily="2" charset="0"/>
+                <a:sym typeface="字魂160号-檀宋" panose="00000500000000000000" pitchFamily="2" charset="-122"/>
+                <a:hlinkClick r:id="rId6"/>
+              </a:rPr>
+              <a:t>/</a:t>
+            </a:r>
+            <a:endParaRPr lang="en-US" altLang="zh-CN" sz="1200" dirty="0" smtClean="0">
+              <a:solidFill>
+                <a:srgbClr val="0A3383"/>
+              </a:solidFill>
+              <a:latin typeface="Poppins" panose="00000500000000000000" pitchFamily="2" charset="0"/>
+              <a:ea typeface="字魂160号-檀宋" panose="00000500000000000000" pitchFamily="2" charset="-122"/>
+              <a:cs typeface="Poppins" panose="00000500000000000000" pitchFamily="2" charset="0"/>
+              <a:sym typeface="字魂160号-檀宋" panose="00000500000000000000" pitchFamily="2" charset="-122"/>
+            </a:endParaRPr>
+          </a:p>
+        </p:txBody>
+      </p:sp>
+    </p:spTree>
+    <p:extLst>
+      <p:ext uri="{BB962C8B-B14F-4D97-AF65-F5344CB8AC3E}">
+        <p14:creationId xmlns:p14="http://schemas.microsoft.com/office/powerpoint/2010/main" val="4016523550"/>
+      </p:ext>
+    </p:extLst>
+  </p:cSld>
+  <p:clrMapOvr>
+    <a:masterClrMapping/>
+  </p:clrMapOvr>
+  <p:transition spd="slow">
+    <p:wipe/>
+  </p:transition>
+  <p:timing>
+    <p:tnLst>
+      <p:par>
+        <p:cTn id="1" dur="indefinite" restart="never" nodeType="tmRoot"/>
+      </p:par>
+    </p:tnLst>
+  </p:timing>
+</p:sld>
+</file>
+
+<file path=ppt/slides/slide19.xml><?xml version="1.0" encoding="utf-8"?>
 <p:sld xmlns:a="http://schemas.openxmlformats.org/drawingml/2006/main" xmlns:r="http://schemas.openxmlformats.org/officeDocument/2006/relationships" xmlns:p="http://schemas.openxmlformats.org/presentationml/2006/main">
   <p:cSld>
     <p:spTree>
